--- a/LabTwo/LabTwo.pptx
+++ b/LabTwo/LabTwo.pptx
@@ -37,9 +37,9 @@
     <p:sldId id="369" r:id="rId28"/>
     <p:sldId id="368" r:id="rId29"/>
     <p:sldId id="370" r:id="rId30"/>
-    <p:sldId id="371" r:id="rId31"/>
-    <p:sldId id="372" r:id="rId32"/>
-    <p:sldId id="373" r:id="rId33"/>
+    <p:sldId id="373" r:id="rId31"/>
+    <p:sldId id="371" r:id="rId32"/>
+    <p:sldId id="372" r:id="rId33"/>
     <p:sldId id="374" r:id="rId34"/>
     <p:sldId id="375" r:id="rId35"/>
     <p:sldId id="376" r:id="rId36"/>
@@ -2109,7 +2109,7 @@
     </p:spTree>
     <p:extLst>
       <p:ext uri="{BB962C8B-B14F-4D97-AF65-F5344CB8AC3E}">
-        <p14:creationId xmlns:p14="http://schemas.microsoft.com/office/powerpoint/2010/main" val="1048581514"/>
+        <p14:creationId xmlns:p14="http://schemas.microsoft.com/office/powerpoint/2010/main" val="1645052479"/>
       </p:ext>
     </p:extLst>
   </p:cSld>
@@ -2193,7 +2193,7 @@
     </p:spTree>
     <p:extLst>
       <p:ext uri="{BB962C8B-B14F-4D97-AF65-F5344CB8AC3E}">
-        <p14:creationId xmlns:p14="http://schemas.microsoft.com/office/powerpoint/2010/main" val="2590541091"/>
+        <p14:creationId xmlns:p14="http://schemas.microsoft.com/office/powerpoint/2010/main" val="1048581514"/>
       </p:ext>
     </p:extLst>
   </p:cSld>
@@ -2277,7 +2277,7 @@
     </p:spTree>
     <p:extLst>
       <p:ext uri="{BB962C8B-B14F-4D97-AF65-F5344CB8AC3E}">
-        <p14:creationId xmlns:p14="http://schemas.microsoft.com/office/powerpoint/2010/main" val="1645052479"/>
+        <p14:creationId xmlns:p14="http://schemas.microsoft.com/office/powerpoint/2010/main" val="2590541091"/>
       </p:ext>
     </p:extLst>
   </p:cSld>
@@ -15517,8 +15517,8 @@
         </p:nvSpPr>
         <p:spPr>
           <a:xfrm>
-            <a:off x="1645920" y="1598528"/>
-            <a:ext cx="8598329" cy="4586027"/>
+            <a:off x="1628503" y="1915989"/>
+            <a:ext cx="8598329" cy="4488763"/>
           </a:xfrm>
           <a:prstGeom prst="rect">
             <a:avLst/>
@@ -15668,7 +15668,7 @@
         <p:spPr>
           <a:xfrm>
             <a:off x="898867" y="1143782"/>
-            <a:ext cx="10515599" cy="923330"/>
+            <a:ext cx="10515599" cy="1200329"/>
           </a:xfrm>
           <a:prstGeom prst="rect">
             <a:avLst/>
@@ -15687,15 +15687,7 @@
             </a:r>
             <a:r>
               <a:rPr lang="en-US" dirty="0"/>
-              <a:t>Open Vivado 2020.2. Once Vivado opens, open the </a:t>
-            </a:r>
-            <a:r>
-              <a:rPr lang="en-US" dirty="0" err="1"/>
-              <a:t>Xhub</a:t>
-            </a:r>
-            <a:r>
-              <a:rPr lang="en-US" dirty="0"/>
-              <a:t> Store </a:t>
+              <a:t>Once the build competes re-run the debug on hardware –with a VGA monitor attached, click on run – after a few seconds you should see the game appear on the screen </a:t>
             </a:r>
           </a:p>
           <a:p>
@@ -15761,6 +15753,42 @@
           </a:p>
         </p:txBody>
       </p:sp>
+      <p:pic>
+        <p:nvPicPr>
+          <p:cNvPr id="6" name="Picture 5" descr="Graphical user interface, text, application&#10;&#10;Description automatically generated">
+            <a:extLst>
+              <a:ext uri="{FF2B5EF4-FFF2-40B4-BE49-F238E27FC236}">
+                <a16:creationId xmlns:a16="http://schemas.microsoft.com/office/drawing/2014/main" id="{9212BE72-8651-494F-AE1E-5E3A0FC84CF4}"/>
+              </a:ext>
+            </a:extLst>
+          </p:cNvPr>
+          <p:cNvPicPr>
+            <a:picLocks noChangeAspect="1"/>
+          </p:cNvPicPr>
+          <p:nvPr/>
+        </p:nvPicPr>
+        <p:blipFill>
+          <a:blip r:embed="rId3">
+            <a:extLst>
+              <a:ext uri="{28A0092B-C50C-407E-A947-70E740481C1C}">
+                <a14:useLocalDpi xmlns:a14="http://schemas.microsoft.com/office/drawing/2010/main" val="0"/>
+              </a:ext>
+            </a:extLst>
+          </a:blip>
+          <a:stretch>
+            <a:fillRect/>
+          </a:stretch>
+        </p:blipFill>
+        <p:spPr>
+          <a:xfrm>
+            <a:off x="1715589" y="2041253"/>
+            <a:ext cx="8448324" cy="4224162"/>
+          </a:xfrm>
+          <a:prstGeom prst="rect">
+            <a:avLst/>
+          </a:prstGeom>
+        </p:spPr>
+      </p:pic>
       <p:sp>
         <p:nvSpPr>
           <p:cNvPr id="9" name="Rectangle 8">
@@ -15775,7 +15803,7 @@
         </p:nvSpPr>
         <p:spPr>
           <a:xfrm>
-            <a:off x="636668" y="4054977"/>
+            <a:off x="2883479" y="2133245"/>
             <a:ext cx="635726" cy="156754"/>
           </a:xfrm>
           <a:prstGeom prst="rect">
@@ -15813,40 +15841,10 @@
           </a:p>
         </p:txBody>
       </p:sp>
-      <p:pic>
-        <p:nvPicPr>
-          <p:cNvPr id="12" name="Picture 11">
-            <a:extLst>
-              <a:ext uri="{FF2B5EF4-FFF2-40B4-BE49-F238E27FC236}">
-                <a16:creationId xmlns:a16="http://schemas.microsoft.com/office/drawing/2014/main" id="{358AB2CC-D1ED-4651-87E2-64919E10B4FA}"/>
-              </a:ext>
-            </a:extLst>
-          </p:cNvPr>
-          <p:cNvPicPr>
-            <a:picLocks noChangeAspect="1"/>
-          </p:cNvPicPr>
-          <p:nvPr/>
-        </p:nvPicPr>
-        <p:blipFill>
-          <a:blip r:embed="rId3"/>
-          <a:stretch>
-            <a:fillRect/>
-          </a:stretch>
-        </p:blipFill>
-        <p:spPr>
-          <a:xfrm>
-            <a:off x="2389819" y="0"/>
-            <a:ext cx="7412362" cy="6858000"/>
-          </a:xfrm>
-          <a:prstGeom prst="rect">
-            <a:avLst/>
-          </a:prstGeom>
-        </p:spPr>
-      </p:pic>
     </p:spTree>
     <p:extLst>
       <p:ext uri="{BB962C8B-B14F-4D97-AF65-F5344CB8AC3E}">
-        <p14:creationId xmlns:p14="http://schemas.microsoft.com/office/powerpoint/2010/main" val="2420111129"/>
+        <p14:creationId xmlns:p14="http://schemas.microsoft.com/office/powerpoint/2010/main" val="2356403992"/>
       </p:ext>
     </p:extLst>
   </p:cSld>
@@ -15887,8 +15885,8 @@
         </p:nvSpPr>
         <p:spPr>
           <a:xfrm>
-            <a:off x="1645920" y="1598528"/>
-            <a:ext cx="8598329" cy="4586027"/>
+            <a:off x="3239589" y="1598528"/>
+            <a:ext cx="5050971" cy="4586027"/>
           </a:xfrm>
           <a:prstGeom prst="rect">
             <a:avLst/>
@@ -16057,15 +16055,7 @@
             </a:r>
             <a:r>
               <a:rPr lang="en-US" dirty="0"/>
-              <a:t>Open Vivado 2020.2. Once Vivado opens, open the </a:t>
-            </a:r>
-            <a:r>
-              <a:rPr lang="en-US" dirty="0" err="1"/>
-              <a:t>Xhub</a:t>
-            </a:r>
-            <a:r>
-              <a:rPr lang="en-US" dirty="0"/>
-              <a:t> Store </a:t>
+              <a:t>Once compiled re launch the Software Debugger on the hardware</a:t>
             </a:r>
           </a:p>
           <a:p>
@@ -16131,6 +16121,36 @@
           </a:p>
         </p:txBody>
       </p:sp>
+      <p:pic>
+        <p:nvPicPr>
+          <p:cNvPr id="12" name="Picture 11">
+            <a:extLst>
+              <a:ext uri="{FF2B5EF4-FFF2-40B4-BE49-F238E27FC236}">
+                <a16:creationId xmlns:a16="http://schemas.microsoft.com/office/drawing/2014/main" id="{358AB2CC-D1ED-4651-87E2-64919E10B4FA}"/>
+              </a:ext>
+            </a:extLst>
+          </p:cNvPr>
+          <p:cNvPicPr>
+            <a:picLocks noChangeAspect="1"/>
+          </p:cNvPicPr>
+          <p:nvPr/>
+        </p:nvPicPr>
+        <p:blipFill>
+          <a:blip r:embed="rId3"/>
+          <a:stretch>
+            <a:fillRect/>
+          </a:stretch>
+        </p:blipFill>
+        <p:spPr>
+          <a:xfrm>
+            <a:off x="3361508" y="1717129"/>
+            <a:ext cx="4700359" cy="4348824"/>
+          </a:xfrm>
+          <a:prstGeom prst="rect">
+            <a:avLst/>
+          </a:prstGeom>
+        </p:spPr>
+      </p:pic>
       <p:sp>
         <p:nvSpPr>
           <p:cNvPr id="9" name="Rectangle 8">
@@ -16145,8 +16165,8 @@
         </p:nvSpPr>
         <p:spPr>
           <a:xfrm>
-            <a:off x="636668" y="4054977"/>
-            <a:ext cx="635726" cy="156754"/>
+            <a:off x="3402873" y="4133353"/>
+            <a:ext cx="4513217" cy="1213709"/>
           </a:xfrm>
           <a:prstGeom prst="rect">
             <a:avLst/>
@@ -16183,46 +16203,10 @@
           </a:p>
         </p:txBody>
       </p:sp>
-      <p:pic>
-        <p:nvPicPr>
-          <p:cNvPr id="5" name="Picture 4" descr="Graphical user interface, text, application&#10;&#10;Description automatically generated">
-            <a:extLst>
-              <a:ext uri="{FF2B5EF4-FFF2-40B4-BE49-F238E27FC236}">
-                <a16:creationId xmlns:a16="http://schemas.microsoft.com/office/drawing/2014/main" id="{DED69B73-4217-4E66-A80B-D6A58F31008B}"/>
-              </a:ext>
-            </a:extLst>
-          </p:cNvPr>
-          <p:cNvPicPr>
-            <a:picLocks noChangeAspect="1"/>
-          </p:cNvPicPr>
-          <p:nvPr/>
-        </p:nvPicPr>
-        <p:blipFill>
-          <a:blip r:embed="rId3">
-            <a:extLst>
-              <a:ext uri="{28A0092B-C50C-407E-A947-70E740481C1C}">
-                <a14:useLocalDpi xmlns:a14="http://schemas.microsoft.com/office/drawing/2010/main" val="0"/>
-              </a:ext>
-            </a:extLst>
-          </a:blip>
-          <a:stretch>
-            <a:fillRect/>
-          </a:stretch>
-        </p:blipFill>
-        <p:spPr>
-          <a:xfrm>
-            <a:off x="3186112" y="2638425"/>
-            <a:ext cx="5819775" cy="1581150"/>
-          </a:xfrm>
-          <a:prstGeom prst="rect">
-            <a:avLst/>
-          </a:prstGeom>
-        </p:spPr>
-      </p:pic>
     </p:spTree>
     <p:extLst>
       <p:ext uri="{BB962C8B-B14F-4D97-AF65-F5344CB8AC3E}">
-        <p14:creationId xmlns:p14="http://schemas.microsoft.com/office/powerpoint/2010/main" val="3453088040"/>
+        <p14:creationId xmlns:p14="http://schemas.microsoft.com/office/powerpoint/2010/main" val="2420111129"/>
       </p:ext>
     </p:extLst>
   </p:cSld>
@@ -16263,8 +16247,8 @@
         </p:nvSpPr>
         <p:spPr>
           <a:xfrm>
-            <a:off x="1628503" y="1915989"/>
-            <a:ext cx="8598329" cy="4488763"/>
+            <a:off x="3082834" y="2481943"/>
+            <a:ext cx="6052457" cy="1915886"/>
           </a:xfrm>
           <a:prstGeom prst="rect">
             <a:avLst/>
@@ -16414,7 +16398,7 @@
         <p:spPr>
           <a:xfrm>
             <a:off x="898867" y="1143782"/>
-            <a:ext cx="10515599" cy="1200329"/>
+            <a:ext cx="10515599" cy="923330"/>
           </a:xfrm>
           <a:prstGeom prst="rect">
             <a:avLst/>
@@ -16433,7 +16417,7 @@
             </a:r>
             <a:r>
               <a:rPr lang="en-US" dirty="0"/>
-              <a:t>Once the build competes re-run the debug on hardware –with a VGA monitor attached, click on run – after a few seconds you should see the game appear on the screen </a:t>
+              <a:t>If you see a dialog about the Debug Session already running click relaunch</a:t>
             </a:r>
           </a:p>
           <a:p>
@@ -16501,10 +16485,10 @@
       </p:sp>
       <p:pic>
         <p:nvPicPr>
-          <p:cNvPr id="6" name="Picture 5" descr="Graphical user interface, text, application&#10;&#10;Description automatically generated">
-            <a:extLst>
-              <a:ext uri="{FF2B5EF4-FFF2-40B4-BE49-F238E27FC236}">
-                <a16:creationId xmlns:a16="http://schemas.microsoft.com/office/drawing/2014/main" id="{9212BE72-8651-494F-AE1E-5E3A0FC84CF4}"/>
+          <p:cNvPr id="5" name="Picture 4" descr="Graphical user interface, text, application&#10;&#10;Description automatically generated">
+            <a:extLst>
+              <a:ext uri="{FF2B5EF4-FFF2-40B4-BE49-F238E27FC236}">
+                <a16:creationId xmlns:a16="http://schemas.microsoft.com/office/drawing/2014/main" id="{DED69B73-4217-4E66-A80B-D6A58F31008B}"/>
               </a:ext>
             </a:extLst>
           </p:cNvPr>
@@ -16527,8 +16511,8 @@
         </p:blipFill>
         <p:spPr>
           <a:xfrm>
-            <a:off x="1715589" y="2041253"/>
-            <a:ext cx="8448324" cy="4224162"/>
+            <a:off x="3186112" y="2638425"/>
+            <a:ext cx="5819775" cy="1581150"/>
           </a:xfrm>
           <a:prstGeom prst="rect">
             <a:avLst/>
@@ -16549,8 +16533,8 @@
         </p:nvSpPr>
         <p:spPr>
           <a:xfrm>
-            <a:off x="2883479" y="2133245"/>
-            <a:ext cx="635726" cy="156754"/>
+            <a:off x="7768987" y="3715342"/>
+            <a:ext cx="1139881" cy="429938"/>
           </a:xfrm>
           <a:prstGeom prst="rect">
             <a:avLst/>
@@ -16590,7 +16574,7 @@
     </p:spTree>
     <p:extLst>
       <p:ext uri="{BB962C8B-B14F-4D97-AF65-F5344CB8AC3E}">
-        <p14:creationId xmlns:p14="http://schemas.microsoft.com/office/powerpoint/2010/main" val="2356403992"/>
+        <p14:creationId xmlns:p14="http://schemas.microsoft.com/office/powerpoint/2010/main" val="3453088040"/>
       </p:ext>
     </p:extLst>
   </p:cSld>
